--- a/Draft/Figures/Approah Overview.pptx
+++ b/Draft/Figures/Approah Overview.pptx
@@ -288,7 +288,7 @@
           <a:p>
             <a:fld id="{B264063E-DB37-F34E-966A-A5E5F1467849}" type="datetimeFigureOut">
               <a:rPr lang="en-US" smtClean="0"/>
-              <a:t>3/5/15</a:t>
+              <a:t>3/10/15</a:t>
             </a:fld>
             <a:endParaRPr lang="en-US"/>
           </a:p>
@@ -458,7 +458,7 @@
           <a:p>
             <a:fld id="{B264063E-DB37-F34E-966A-A5E5F1467849}" type="datetimeFigureOut">
               <a:rPr lang="en-US" smtClean="0"/>
-              <a:t>3/5/15</a:t>
+              <a:t>3/10/15</a:t>
             </a:fld>
             <a:endParaRPr lang="en-US"/>
           </a:p>
@@ -638,7 +638,7 @@
           <a:p>
             <a:fld id="{B264063E-DB37-F34E-966A-A5E5F1467849}" type="datetimeFigureOut">
               <a:rPr lang="en-US" smtClean="0"/>
-              <a:t>3/5/15</a:t>
+              <a:t>3/10/15</a:t>
             </a:fld>
             <a:endParaRPr lang="en-US"/>
           </a:p>
@@ -808,7 +808,7 @@
           <a:p>
             <a:fld id="{B264063E-DB37-F34E-966A-A5E5F1467849}" type="datetimeFigureOut">
               <a:rPr lang="en-US" smtClean="0"/>
-              <a:t>3/5/15</a:t>
+              <a:t>3/10/15</a:t>
             </a:fld>
             <a:endParaRPr lang="en-US"/>
           </a:p>
@@ -1054,7 +1054,7 @@
           <a:p>
             <a:fld id="{B264063E-DB37-F34E-966A-A5E5F1467849}" type="datetimeFigureOut">
               <a:rPr lang="en-US" smtClean="0"/>
-              <a:t>3/5/15</a:t>
+              <a:t>3/10/15</a:t>
             </a:fld>
             <a:endParaRPr lang="en-US"/>
           </a:p>
@@ -1342,7 +1342,7 @@
           <a:p>
             <a:fld id="{B264063E-DB37-F34E-966A-A5E5F1467849}" type="datetimeFigureOut">
               <a:rPr lang="en-US" smtClean="0"/>
-              <a:t>3/5/15</a:t>
+              <a:t>3/10/15</a:t>
             </a:fld>
             <a:endParaRPr lang="en-US"/>
           </a:p>
@@ -1764,7 +1764,7 @@
           <a:p>
             <a:fld id="{B264063E-DB37-F34E-966A-A5E5F1467849}" type="datetimeFigureOut">
               <a:rPr lang="en-US" smtClean="0"/>
-              <a:t>3/5/15</a:t>
+              <a:t>3/10/15</a:t>
             </a:fld>
             <a:endParaRPr lang="en-US"/>
           </a:p>
@@ -1882,7 +1882,7 @@
           <a:p>
             <a:fld id="{B264063E-DB37-F34E-966A-A5E5F1467849}" type="datetimeFigureOut">
               <a:rPr lang="en-US" smtClean="0"/>
-              <a:t>3/5/15</a:t>
+              <a:t>3/10/15</a:t>
             </a:fld>
             <a:endParaRPr lang="en-US"/>
           </a:p>
@@ -1977,7 +1977,7 @@
           <a:p>
             <a:fld id="{B264063E-DB37-F34E-966A-A5E5F1467849}" type="datetimeFigureOut">
               <a:rPr lang="en-US" smtClean="0"/>
-              <a:t>3/5/15</a:t>
+              <a:t>3/10/15</a:t>
             </a:fld>
             <a:endParaRPr lang="en-US"/>
           </a:p>
@@ -2254,7 +2254,7 @@
           <a:p>
             <a:fld id="{B264063E-DB37-F34E-966A-A5E5F1467849}" type="datetimeFigureOut">
               <a:rPr lang="en-US" smtClean="0"/>
-              <a:t>3/5/15</a:t>
+              <a:t>3/10/15</a:t>
             </a:fld>
             <a:endParaRPr lang="en-US"/>
           </a:p>
@@ -2507,7 +2507,7 @@
           <a:p>
             <a:fld id="{B264063E-DB37-F34E-966A-A5E5F1467849}" type="datetimeFigureOut">
               <a:rPr lang="en-US" smtClean="0"/>
-              <a:t>3/5/15</a:t>
+              <a:t>3/10/15</a:t>
             </a:fld>
             <a:endParaRPr lang="en-US"/>
           </a:p>
@@ -2720,7 +2720,7 @@
           <a:p>
             <a:fld id="{B264063E-DB37-F34E-966A-A5E5F1467849}" type="datetimeFigureOut">
               <a:rPr lang="en-US" smtClean="0"/>
-              <a:t>3/5/15</a:t>
+              <a:t>3/10/15</a:t>
             </a:fld>
             <a:endParaRPr lang="en-US"/>
           </a:p>
@@ -3103,8 +3103,8 @@
         </p:nvSpPr>
         <p:spPr>
           <a:xfrm>
-            <a:off x="2867406" y="1518907"/>
-            <a:ext cx="4896877" cy="3168756"/>
+            <a:off x="3050708" y="1112993"/>
+            <a:ext cx="3847837" cy="3483014"/>
           </a:xfrm>
           <a:prstGeom prst="roundRect">
             <a:avLst>
@@ -3118,6 +3118,7 @@
             <a:solidFill>
               <a:schemeClr val="tx1"/>
             </a:solidFill>
+            <a:prstDash val="dash"/>
           </a:ln>
           <a:effectLst/>
         </p:spPr>
@@ -3152,7 +3153,7 @@
         </p:nvGrpSpPr>
         <p:grpSpPr>
           <a:xfrm>
-            <a:off x="1359272" y="1614868"/>
+            <a:off x="1542574" y="1208954"/>
             <a:ext cx="1367287" cy="914400"/>
             <a:chOff x="1133524" y="1120522"/>
             <a:chExt cx="1367287" cy="914400"/>
@@ -3250,7 +3251,7 @@
         </p:nvGrpSpPr>
         <p:grpSpPr>
           <a:xfrm>
-            <a:off x="1369274" y="2791148"/>
+            <a:off x="1552576" y="3555782"/>
             <a:ext cx="1367287" cy="914400"/>
             <a:chOff x="4661198" y="1120522"/>
             <a:chExt cx="1367287" cy="914400"/>
@@ -3348,7 +3349,7 @@
         </p:nvGrpSpPr>
         <p:grpSpPr>
           <a:xfrm>
-            <a:off x="2998421" y="1614868"/>
+            <a:off x="3181723" y="1208954"/>
             <a:ext cx="1367288" cy="914400"/>
             <a:chOff x="3071325" y="1120522"/>
             <a:chExt cx="1367288" cy="914400"/>
@@ -3439,7 +3440,7 @@
         </p:nvGrpSpPr>
         <p:grpSpPr>
           <a:xfrm>
-            <a:off x="2998421" y="2791148"/>
+            <a:off x="3181723" y="3555782"/>
             <a:ext cx="1367288" cy="909053"/>
             <a:chOff x="3071325" y="2216819"/>
             <a:chExt cx="1367288" cy="909053"/>
@@ -3524,113 +3525,16 @@
       </p:grpSp>
       <p:grpSp>
         <p:nvGrpSpPr>
-          <p:cNvPr id="36" name="Group 35"/>
-          <p:cNvGrpSpPr/>
-          <p:nvPr/>
-        </p:nvGrpSpPr>
-        <p:grpSpPr>
-          <a:xfrm>
-            <a:off x="4600414" y="3647440"/>
-            <a:ext cx="1367288" cy="914401"/>
-            <a:chOff x="3071325" y="3319446"/>
-            <a:chExt cx="1367288" cy="914401"/>
-          </a:xfrm>
-          <a:effectLst/>
-        </p:grpSpPr>
-        <p:sp>
-          <p:nvSpPr>
-            <p:cNvPr id="13" name="Data 12"/>
-            <p:cNvSpPr/>
-            <p:nvPr/>
-          </p:nvSpPr>
-          <p:spPr>
-            <a:xfrm>
-              <a:off x="3071325" y="3319446"/>
-              <a:ext cx="1367288" cy="914401"/>
-            </a:xfrm>
-            <a:prstGeom prst="flowChartInputOutput">
-              <a:avLst/>
-            </a:prstGeom>
-            <a:noFill/>
-            <a:ln>
-              <a:solidFill>
-                <a:schemeClr val="tx1"/>
-              </a:solidFill>
-            </a:ln>
-            <a:effectLst/>
-          </p:spPr>
-          <p:style>
-            <a:lnRef idx="1">
-              <a:schemeClr val="accent1"/>
-            </a:lnRef>
-            <a:fillRef idx="3">
-              <a:schemeClr val="accent1"/>
-            </a:fillRef>
-            <a:effectRef idx="2">
-              <a:schemeClr val="accent1"/>
-            </a:effectRef>
-            <a:fontRef idx="minor">
-              <a:schemeClr val="lt1"/>
-            </a:fontRef>
-          </p:style>
-          <p:txBody>
-            <a:bodyPr/>
-            <a:lstStyle/>
-            <a:p>
-              <a:endParaRPr lang="en-US"/>
-            </a:p>
-          </p:txBody>
-        </p:sp>
-        <p:sp>
-          <p:nvSpPr>
-            <p:cNvPr id="22" name="TextBox 21"/>
-            <p:cNvSpPr txBox="1"/>
-            <p:nvPr/>
-          </p:nvSpPr>
-          <p:spPr>
-            <a:xfrm>
-              <a:off x="3242504" y="3474064"/>
-              <a:ext cx="1024928" cy="646331"/>
-            </a:xfrm>
-            <a:prstGeom prst="rect">
-              <a:avLst/>
-            </a:prstGeom>
-            <a:noFill/>
-          </p:spPr>
-          <p:txBody>
-            <a:bodyPr wrap="none" rtlCol="0">
-              <a:spAutoFit/>
-            </a:bodyPr>
-            <a:lstStyle/>
-            <a:p>
-              <a:pPr algn="ctr"/>
-              <a:r>
-                <a:rPr lang="en-US" dirty="0" smtClean="0"/>
-                <a:t>Matched</a:t>
-              </a:r>
-              <a:br>
-                <a:rPr lang="en-US" dirty="0" smtClean="0"/>
-              </a:br>
-              <a:r>
-                <a:rPr lang="en-US" dirty="0" smtClean="0"/>
-                <a:t>List</a:t>
-              </a:r>
-            </a:p>
-          </p:txBody>
-        </p:sp>
-      </p:grpSp>
-      <p:grpSp>
-        <p:nvGrpSpPr>
           <p:cNvPr id="34" name="Group 33"/>
           <p:cNvGrpSpPr/>
           <p:nvPr/>
         </p:nvGrpSpPr>
         <p:grpSpPr>
           <a:xfrm>
-            <a:off x="5360777" y="2313822"/>
-            <a:ext cx="1367287" cy="914400"/>
+            <a:off x="4863243" y="1907903"/>
+            <a:ext cx="1919071" cy="1209524"/>
             <a:chOff x="1133523" y="3319447"/>
-            <a:chExt cx="1367287" cy="914400"/>
+            <a:chExt cx="1367287" cy="997701"/>
           </a:xfrm>
           <a:effectLst/>
         </p:grpSpPr>
@@ -3669,7 +3573,9 @@
               <a:grpFill/>
               <a:ln>
                 <a:solidFill>
-                  <a:schemeClr val="tx1"/>
+                  <a:schemeClr val="bg1">
+                    <a:lumMod val="50000"/>
+                  </a:schemeClr>
                 </a:solidFill>
               </a:ln>
               <a:effectLst/>
@@ -3713,7 +3619,9 @@
               <a:grpFill/>
               <a:ln>
                 <a:solidFill>
-                  <a:schemeClr val="tx1"/>
+                  <a:schemeClr val="bg1">
+                    <a:lumMod val="50000"/>
+                  </a:schemeClr>
                 </a:solidFill>
               </a:ln>
               <a:effectLst/>
@@ -3757,7 +3665,9 @@
               <a:grpFill/>
               <a:ln>
                 <a:solidFill>
-                  <a:schemeClr val="tx1"/>
+                  <a:schemeClr val="bg1">
+                    <a:lumMod val="50000"/>
+                  </a:schemeClr>
                 </a:solidFill>
               </a:ln>
               <a:effectLst/>
@@ -3793,13 +3703,16 @@
           </p:nvSpPr>
           <p:spPr>
             <a:xfrm>
-              <a:off x="1467063" y="3791019"/>
-              <a:ext cx="700207" cy="369332"/>
+              <a:off x="1243641" y="3670817"/>
+              <a:ext cx="1165140" cy="646331"/>
             </a:xfrm>
             <a:prstGeom prst="rect">
               <a:avLst/>
             </a:prstGeom>
             <a:noFill/>
+            <a:ln>
+              <a:noFill/>
+            </a:ln>
           </p:spPr>
           <p:txBody>
             <a:bodyPr wrap="none" rtlCol="0">
@@ -3807,9 +3720,17 @@
             </a:bodyPr>
             <a:lstStyle/>
             <a:p>
+              <a:pPr algn="ctr"/>
               <a:r>
                 <a:rPr lang="en-US" dirty="0" smtClean="0"/>
-                <a:t>Index</a:t>
+                <a:t>Document</a:t>
+              </a:r>
+              <a:br>
+                <a:rPr lang="en-US" dirty="0" smtClean="0"/>
+              </a:br>
+              <a:r>
+                <a:rPr lang="en-US" dirty="0" smtClean="0"/>
+                <a:t>Model</a:t>
               </a:r>
               <a:endParaRPr lang="en-US" dirty="0"/>
             </a:p>
@@ -3824,10 +3745,10 @@
         </p:nvGrpSpPr>
         <p:grpSpPr>
           <a:xfrm>
-            <a:off x="6256717" y="3647441"/>
-            <a:ext cx="1367288" cy="914400"/>
-            <a:chOff x="4661196" y="3319446"/>
-            <a:chExt cx="1367288" cy="914400"/>
+            <a:off x="5165321" y="3544641"/>
+            <a:ext cx="1367287" cy="914400"/>
+            <a:chOff x="3504335" y="3334492"/>
+            <a:chExt cx="1367287" cy="914400"/>
           </a:xfrm>
           <a:effectLst/>
         </p:grpSpPr>
@@ -3839,7 +3760,7 @@
           </p:nvSpPr>
           <p:spPr>
             <a:xfrm>
-              <a:off x="4661198" y="3319446"/>
+              <a:off x="3504336" y="3334492"/>
               <a:ext cx="1367286" cy="914400"/>
             </a:xfrm>
             <a:prstGeom prst="flowChartProcess">
@@ -3883,8 +3804,8 @@
           </p:nvSpPr>
           <p:spPr>
             <a:xfrm>
-              <a:off x="4661196" y="3474738"/>
-              <a:ext cx="1367287" cy="646331"/>
+              <a:off x="3504335" y="3612563"/>
+              <a:ext cx="1367287" cy="369332"/>
             </a:xfrm>
             <a:prstGeom prst="rect">
               <a:avLst/>
@@ -3900,14 +3821,7 @@
               <a:pPr algn="ctr"/>
               <a:r>
                 <a:rPr lang="en-US" dirty="0" smtClean="0"/>
-                <a:t>Ranking</a:t>
-              </a:r>
-              <a:br>
-                <a:rPr lang="en-US" dirty="0" smtClean="0"/>
-              </a:br>
-              <a:r>
-                <a:rPr lang="en-US" dirty="0" smtClean="0"/>
-                <a:t>Heuristics</a:t>
+                <a:t>Searcher</a:t>
               </a:r>
               <a:endParaRPr lang="en-US" dirty="0"/>
             </a:p>
@@ -3922,7 +3836,7 @@
         </p:nvGrpSpPr>
         <p:grpSpPr>
           <a:xfrm>
-            <a:off x="6164096" y="4823721"/>
+            <a:off x="5073670" y="4774200"/>
             <a:ext cx="1367287" cy="914401"/>
             <a:chOff x="7144010" y="4681225"/>
             <a:chExt cx="1367287" cy="914401"/>
@@ -4027,7 +3941,7 @@
         </p:nvCxnSpPr>
         <p:spPr>
           <a:xfrm>
-            <a:off x="2726559" y="2072068"/>
+            <a:off x="2909861" y="1666154"/>
             <a:ext cx="271862" cy="0"/>
           </a:xfrm>
           <a:prstGeom prst="straightConnector1">
@@ -4067,48 +3981,8 @@
         </p:nvCxnSpPr>
         <p:spPr>
           <a:xfrm flipV="1">
-            <a:off x="2736561" y="3245675"/>
+            <a:off x="2919863" y="4010309"/>
             <a:ext cx="261860" cy="2673"/>
-          </a:xfrm>
-          <a:prstGeom prst="straightConnector1">
-            <a:avLst/>
-          </a:prstGeom>
-          <a:ln w="3175" cmpd="sng">
-            <a:solidFill>
-              <a:schemeClr val="tx1"/>
-            </a:solidFill>
-            <a:tailEnd type="arrow"/>
-          </a:ln>
-          <a:effectLst/>
-        </p:spPr>
-        <p:style>
-          <a:lnRef idx="2">
-            <a:schemeClr val="accent1"/>
-          </a:lnRef>
-          <a:fillRef idx="0">
-            <a:schemeClr val="accent1"/>
-          </a:fillRef>
-          <a:effectRef idx="1">
-            <a:schemeClr val="accent1"/>
-          </a:effectRef>
-          <a:fontRef idx="minor">
-            <a:schemeClr val="tx1"/>
-          </a:fontRef>
-        </p:style>
-      </p:cxnSp>
-      <p:cxnSp>
-        <p:nvCxnSpPr>
-          <p:cNvPr id="42" name="Straight Arrow Connector 41"/>
-          <p:cNvCxnSpPr>
-            <a:stCxn id="13" idx="5"/>
-            <a:endCxn id="15" idx="1"/>
-          </p:cNvCxnSpPr>
-          <p:nvPr/>
-        </p:nvCxnSpPr>
-        <p:spPr>
-          <a:xfrm>
-            <a:off x="5830973" y="4104641"/>
-            <a:ext cx="425746" cy="0"/>
           </a:xfrm>
           <a:prstGeom prst="straightConnector1">
             <a:avLst/>
@@ -4147,8 +4021,8 @@
         </p:nvCxnSpPr>
         <p:spPr>
           <a:xfrm>
-            <a:off x="6940362" y="4561841"/>
-            <a:ext cx="1442" cy="261880"/>
+            <a:off x="5848965" y="4459041"/>
+            <a:ext cx="2413" cy="315159"/>
           </a:xfrm>
           <a:prstGeom prst="straightConnector1">
             <a:avLst/>
@@ -4187,8 +4061,8 @@
         </p:nvCxnSpPr>
         <p:spPr>
           <a:xfrm>
-            <a:off x="4365709" y="2061414"/>
-            <a:ext cx="1678712" cy="510570"/>
+            <a:off x="4549011" y="1655500"/>
+            <a:ext cx="1273768" cy="565376"/>
           </a:xfrm>
           <a:prstGeom prst="bentConnector2">
             <a:avLst/>
@@ -4216,30 +4090,123 @@
           </a:fontRef>
         </p:style>
       </p:cxnSp>
+      <p:grpSp>
+        <p:nvGrpSpPr>
+          <p:cNvPr id="37" name="Group 36"/>
+          <p:cNvGrpSpPr/>
+          <p:nvPr/>
+        </p:nvGrpSpPr>
+        <p:grpSpPr>
+          <a:xfrm>
+            <a:off x="3182660" y="2385234"/>
+            <a:ext cx="1367288" cy="914400"/>
+            <a:chOff x="3071325" y="1120522"/>
+            <a:chExt cx="1367288" cy="914400"/>
+          </a:xfrm>
+          <a:effectLst/>
+        </p:grpSpPr>
+        <p:sp>
+          <p:nvSpPr>
+            <p:cNvPr id="39" name="Process 38"/>
+            <p:cNvSpPr/>
+            <p:nvPr/>
+          </p:nvSpPr>
+          <p:spPr>
+            <a:xfrm>
+              <a:off x="3071325" y="1120522"/>
+              <a:ext cx="1367288" cy="914400"/>
+            </a:xfrm>
+            <a:prstGeom prst="flowChartProcess">
+              <a:avLst/>
+            </a:prstGeom>
+            <a:solidFill>
+              <a:schemeClr val="bg1">
+                <a:lumMod val="85000"/>
+              </a:schemeClr>
+            </a:solidFill>
+            <a:ln>
+              <a:solidFill>
+                <a:schemeClr val="tx1"/>
+              </a:solidFill>
+              <a:prstDash val="dash"/>
+            </a:ln>
+            <a:effectLst/>
+          </p:spPr>
+          <p:style>
+            <a:lnRef idx="1">
+              <a:schemeClr val="accent1"/>
+            </a:lnRef>
+            <a:fillRef idx="3">
+              <a:schemeClr val="accent1"/>
+            </a:fillRef>
+            <a:effectRef idx="2">
+              <a:schemeClr val="accent1"/>
+            </a:effectRef>
+            <a:fontRef idx="minor">
+              <a:schemeClr val="lt1"/>
+            </a:fontRef>
+          </p:style>
+          <p:txBody>
+            <a:bodyPr/>
+            <a:lstStyle/>
+            <a:p>
+              <a:endParaRPr lang="en-US"/>
+            </a:p>
+          </p:txBody>
+        </p:sp>
+        <p:sp>
+          <p:nvSpPr>
+            <p:cNvPr id="41" name="TextBox 40"/>
+            <p:cNvSpPr txBox="1"/>
+            <p:nvPr/>
+          </p:nvSpPr>
+          <p:spPr>
+            <a:xfrm>
+              <a:off x="3100503" y="1382402"/>
+              <a:ext cx="1338110" cy="353943"/>
+            </a:xfrm>
+            <a:prstGeom prst="rect">
+              <a:avLst/>
+            </a:prstGeom>
+            <a:noFill/>
+          </p:spPr>
+          <p:txBody>
+            <a:bodyPr wrap="square" rtlCol="0">
+              <a:spAutoFit/>
+            </a:bodyPr>
+            <a:lstStyle/>
+            <a:p>
+              <a:pPr algn="ctr"/>
+              <a:r>
+                <a:rPr lang="en-US" sz="1700" dirty="0" smtClean="0"/>
+                <a:t>Preprocessor</a:t>
+              </a:r>
+              <a:endParaRPr lang="en-US" sz="1700" dirty="0"/>
+            </a:p>
+          </p:txBody>
+        </p:sp>
+      </p:grpSp>
       <p:cxnSp>
         <p:nvCxnSpPr>
-          <p:cNvPr id="48" name="Elbow Connector 47"/>
+          <p:cNvPr id="43" name="Straight Arrow Connector 42"/>
           <p:cNvCxnSpPr>
-            <a:stCxn id="8" idx="3"/>
-            <a:endCxn id="9" idx="2"/>
+            <a:stCxn id="39" idx="2"/>
+            <a:endCxn id="8" idx="0"/>
           </p:cNvCxnSpPr>
           <p:nvPr/>
         </p:nvCxnSpPr>
         <p:spPr>
-          <a:xfrm flipV="1">
-            <a:off x="4365709" y="2641941"/>
-            <a:ext cx="995068" cy="603734"/>
+          <a:xfrm flipH="1">
+            <a:off x="3865367" y="3299634"/>
+            <a:ext cx="937" cy="256148"/>
           </a:xfrm>
-          <a:prstGeom prst="bentConnector3">
-            <a:avLst>
-              <a:gd name="adj1" fmla="val 50000"/>
-            </a:avLst>
+          <a:prstGeom prst="straightConnector1">
+            <a:avLst/>
           </a:prstGeom>
           <a:ln w="3175" cmpd="sng">
             <a:solidFill>
               <a:schemeClr val="tx1"/>
             </a:solidFill>
-            <a:headEnd type="arrow"/>
             <a:tailEnd type="arrow"/>
           </a:ln>
           <a:effectLst/>
@@ -4261,22 +4228,210 @@
       </p:cxnSp>
       <p:cxnSp>
         <p:nvCxnSpPr>
-          <p:cNvPr id="53" name="Elbow Connector 52"/>
+          <p:cNvPr id="45" name="Straight Arrow Connector 44"/>
+          <p:cNvCxnSpPr>
+            <a:stCxn id="39" idx="0"/>
+          </p:cNvCxnSpPr>
+          <p:nvPr/>
+        </p:nvCxnSpPr>
+        <p:spPr>
+          <a:xfrm flipV="1">
+            <a:off x="3866304" y="2123354"/>
+            <a:ext cx="0" cy="261880"/>
+          </a:xfrm>
+          <a:prstGeom prst="straightConnector1">
+            <a:avLst/>
+          </a:prstGeom>
+          <a:ln w="3175" cmpd="sng">
+            <a:solidFill>
+              <a:schemeClr val="tx1"/>
+            </a:solidFill>
+            <a:tailEnd type="arrow"/>
+          </a:ln>
+          <a:effectLst/>
+        </p:spPr>
+        <p:style>
+          <a:lnRef idx="2">
+            <a:schemeClr val="accent1"/>
+          </a:lnRef>
+          <a:fillRef idx="0">
+            <a:schemeClr val="accent1"/>
+          </a:fillRef>
+          <a:effectRef idx="1">
+            <a:schemeClr val="accent1"/>
+          </a:effectRef>
+          <a:fontRef idx="minor">
+            <a:schemeClr val="tx1"/>
+          </a:fontRef>
+        </p:style>
+      </p:cxnSp>
+      <p:cxnSp>
+        <p:nvCxnSpPr>
+          <p:cNvPr id="49" name="Straight Arrow Connector 48"/>
           <p:cNvCxnSpPr>
             <a:stCxn id="8" idx="3"/>
-            <a:endCxn id="13" idx="1"/>
+            <a:endCxn id="25" idx="1"/>
+          </p:cNvCxnSpPr>
+          <p:nvPr/>
+        </p:nvCxnSpPr>
+        <p:spPr>
+          <a:xfrm flipV="1">
+            <a:off x="4549011" y="4007378"/>
+            <a:ext cx="616310" cy="2931"/>
+          </a:xfrm>
+          <a:prstGeom prst="straightConnector1">
+            <a:avLst/>
+          </a:prstGeom>
+          <a:ln w="3175" cmpd="sng">
+            <a:solidFill>
+              <a:schemeClr val="tx1"/>
+            </a:solidFill>
+            <a:tailEnd type="arrow"/>
+          </a:ln>
+          <a:effectLst/>
+        </p:spPr>
+        <p:style>
+          <a:lnRef idx="2">
+            <a:schemeClr val="accent1"/>
+          </a:lnRef>
+          <a:fillRef idx="0">
+            <a:schemeClr val="accent1"/>
+          </a:fillRef>
+          <a:effectRef idx="1">
+            <a:schemeClr val="accent1"/>
+          </a:effectRef>
+          <a:fontRef idx="minor">
+            <a:schemeClr val="tx1"/>
+          </a:fontRef>
+        </p:style>
+      </p:cxnSp>
+      <p:pic>
+        <p:nvPicPr>
+          <p:cNvPr id="52" name="Picture 51"/>
+          <p:cNvPicPr>
+            <a:picLocks noChangeAspect="1"/>
+          </p:cNvPicPr>
+          <p:nvPr/>
+        </p:nvPicPr>
+        <p:blipFill>
+          <a:blip r:embed="rId2">
+            <a:duotone>
+              <a:schemeClr val="bg2">
+                <a:shade val="45000"/>
+                <a:satMod val="135000"/>
+              </a:schemeClr>
+              <a:prstClr val="white"/>
+            </a:duotone>
+          </a:blip>
+          <a:stretch>
+            <a:fillRect/>
+          </a:stretch>
+        </p:blipFill>
+        <p:spPr>
+          <a:xfrm>
+            <a:off x="6898545" y="4636464"/>
+            <a:ext cx="975360" cy="975360"/>
+          </a:xfrm>
+          <a:prstGeom prst="rect">
+            <a:avLst/>
+          </a:prstGeom>
+        </p:spPr>
+      </p:pic>
+      <p:sp>
+        <p:nvSpPr>
+          <p:cNvPr id="55" name="TextBox 54"/>
+          <p:cNvSpPr txBox="1"/>
+          <p:nvPr/>
+        </p:nvSpPr>
+        <p:spPr>
+          <a:xfrm>
+            <a:off x="7081847" y="5523101"/>
+            <a:ext cx="620683" cy="369332"/>
+          </a:xfrm>
+          <a:prstGeom prst="rect">
+            <a:avLst/>
+          </a:prstGeom>
+          <a:noFill/>
+        </p:spPr>
+        <p:txBody>
+          <a:bodyPr wrap="none" rtlCol="0">
+            <a:spAutoFit/>
+          </a:bodyPr>
+          <a:lstStyle/>
+          <a:p>
+            <a:r>
+              <a:rPr lang="en-US" dirty="0" smtClean="0"/>
+              <a:t>User</a:t>
+            </a:r>
+            <a:endParaRPr lang="en-US" dirty="0"/>
+          </a:p>
+        </p:txBody>
+      </p:sp>
+      <p:sp>
+        <p:nvSpPr>
+          <p:cNvPr id="56" name="Right Arrow 55"/>
+          <p:cNvSpPr/>
+          <p:nvPr/>
+        </p:nvSpPr>
+        <p:spPr>
+          <a:xfrm>
+            <a:off x="6642030" y="4965493"/>
+            <a:ext cx="439817" cy="206651"/>
+          </a:xfrm>
+          <a:prstGeom prst="rightArrow">
+            <a:avLst/>
+          </a:prstGeom>
+          <a:solidFill>
+            <a:schemeClr val="bg1">
+              <a:lumMod val="85000"/>
+            </a:schemeClr>
+          </a:solidFill>
+          <a:ln>
+            <a:noFill/>
+          </a:ln>
+          <a:effectLst/>
+        </p:spPr>
+        <p:style>
+          <a:lnRef idx="1">
+            <a:schemeClr val="accent1"/>
+          </a:lnRef>
+          <a:fillRef idx="3">
+            <a:schemeClr val="accent1"/>
+          </a:fillRef>
+          <a:effectRef idx="2">
+            <a:schemeClr val="accent1"/>
+          </a:effectRef>
+          <a:fontRef idx="minor">
+            <a:schemeClr val="lt1"/>
+          </a:fontRef>
+        </p:style>
+        <p:txBody>
+          <a:bodyPr rtlCol="0" anchor="ctr"/>
+          <a:lstStyle/>
+          <a:p>
+            <a:pPr algn="ctr"/>
+            <a:endParaRPr lang="en-US"/>
+          </a:p>
+        </p:txBody>
+      </p:sp>
+      <p:cxnSp>
+        <p:nvCxnSpPr>
+          <p:cNvPr id="14" name="Straight Arrow Connector 13"/>
+          <p:cNvCxnSpPr>
+            <a:stCxn id="23" idx="2"/>
+            <a:endCxn id="15" idx="0"/>
           </p:cNvCxnSpPr>
           <p:nvPr/>
         </p:nvCxnSpPr>
         <p:spPr>
           <a:xfrm>
-            <a:off x="4365709" y="3245675"/>
-            <a:ext cx="918349" cy="401765"/>
+            <a:off x="5835473" y="3117427"/>
+            <a:ext cx="13492" cy="427214"/>
           </a:xfrm>
-          <a:prstGeom prst="bentConnector2">
+          <a:prstGeom prst="straightConnector1">
             <a:avLst/>
           </a:prstGeom>
-          <a:ln w="3175" cmpd="sng">
+          <a:ln w="6350" cmpd="sng">
             <a:solidFill>
               <a:schemeClr val="tx1"/>
             </a:solidFill>
